--- a/Documentação/lean ux.pptx
+++ b/Documentação/lean ux.pptx
@@ -259,7 +259,7 @@
           <a:p>
             <a:fld id="{43F933E2-FB6E-4889-A914-2C95F73E32EB}" type="datetimeFigureOut">
               <a:rPr lang="pt-BR" smtClean="0"/>
-              <a:t>04/09/2020</a:t>
+              <a:t>12/09/2020</a:t>
             </a:fld>
             <a:endParaRPr lang="pt-BR"/>
           </a:p>
@@ -457,7 +457,7 @@
           <a:p>
             <a:fld id="{43F933E2-FB6E-4889-A914-2C95F73E32EB}" type="datetimeFigureOut">
               <a:rPr lang="pt-BR" smtClean="0"/>
-              <a:t>04/09/2020</a:t>
+              <a:t>12/09/2020</a:t>
             </a:fld>
             <a:endParaRPr lang="pt-BR"/>
           </a:p>
@@ -665,7 +665,7 @@
           <a:p>
             <a:fld id="{43F933E2-FB6E-4889-A914-2C95F73E32EB}" type="datetimeFigureOut">
               <a:rPr lang="pt-BR" smtClean="0"/>
-              <a:t>04/09/2020</a:t>
+              <a:t>12/09/2020</a:t>
             </a:fld>
             <a:endParaRPr lang="pt-BR"/>
           </a:p>
@@ -863,7 +863,7 @@
           <a:p>
             <a:fld id="{43F933E2-FB6E-4889-A914-2C95F73E32EB}" type="datetimeFigureOut">
               <a:rPr lang="pt-BR" smtClean="0"/>
-              <a:t>04/09/2020</a:t>
+              <a:t>12/09/2020</a:t>
             </a:fld>
             <a:endParaRPr lang="pt-BR"/>
           </a:p>
@@ -1138,7 +1138,7 @@
           <a:p>
             <a:fld id="{43F933E2-FB6E-4889-A914-2C95F73E32EB}" type="datetimeFigureOut">
               <a:rPr lang="pt-BR" smtClean="0"/>
-              <a:t>04/09/2020</a:t>
+              <a:t>12/09/2020</a:t>
             </a:fld>
             <a:endParaRPr lang="pt-BR"/>
           </a:p>
@@ -1403,7 +1403,7 @@
           <a:p>
             <a:fld id="{43F933E2-FB6E-4889-A914-2C95F73E32EB}" type="datetimeFigureOut">
               <a:rPr lang="pt-BR" smtClean="0"/>
-              <a:t>04/09/2020</a:t>
+              <a:t>12/09/2020</a:t>
             </a:fld>
             <a:endParaRPr lang="pt-BR"/>
           </a:p>
@@ -1815,7 +1815,7 @@
           <a:p>
             <a:fld id="{43F933E2-FB6E-4889-A914-2C95F73E32EB}" type="datetimeFigureOut">
               <a:rPr lang="pt-BR" smtClean="0"/>
-              <a:t>04/09/2020</a:t>
+              <a:t>12/09/2020</a:t>
             </a:fld>
             <a:endParaRPr lang="pt-BR"/>
           </a:p>
@@ -1956,7 +1956,7 @@
           <a:p>
             <a:fld id="{43F933E2-FB6E-4889-A914-2C95F73E32EB}" type="datetimeFigureOut">
               <a:rPr lang="pt-BR" smtClean="0"/>
-              <a:t>04/09/2020</a:t>
+              <a:t>12/09/2020</a:t>
             </a:fld>
             <a:endParaRPr lang="pt-BR"/>
           </a:p>
@@ -2069,7 +2069,7 @@
           <a:p>
             <a:fld id="{43F933E2-FB6E-4889-A914-2C95F73E32EB}" type="datetimeFigureOut">
               <a:rPr lang="pt-BR" smtClean="0"/>
-              <a:t>04/09/2020</a:t>
+              <a:t>12/09/2020</a:t>
             </a:fld>
             <a:endParaRPr lang="pt-BR"/>
           </a:p>
@@ -2380,7 +2380,7 @@
           <a:p>
             <a:fld id="{43F933E2-FB6E-4889-A914-2C95F73E32EB}" type="datetimeFigureOut">
               <a:rPr lang="pt-BR" smtClean="0"/>
-              <a:t>04/09/2020</a:t>
+              <a:t>12/09/2020</a:t>
             </a:fld>
             <a:endParaRPr lang="pt-BR"/>
           </a:p>
@@ -2668,7 +2668,7 @@
           <a:p>
             <a:fld id="{43F933E2-FB6E-4889-A914-2C95F73E32EB}" type="datetimeFigureOut">
               <a:rPr lang="pt-BR" smtClean="0"/>
-              <a:t>04/09/2020</a:t>
+              <a:t>12/09/2020</a:t>
             </a:fld>
             <a:endParaRPr lang="pt-BR"/>
           </a:p>
@@ -2909,7 +2909,7 @@
           <a:p>
             <a:fld id="{43F933E2-FB6E-4889-A914-2C95F73E32EB}" type="datetimeFigureOut">
               <a:rPr lang="pt-BR" smtClean="0"/>
-              <a:t>04/09/2020</a:t>
+              <a:t>12/09/2020</a:t>
             </a:fld>
             <a:endParaRPr lang="pt-BR"/>
           </a:p>
@@ -5280,63 +5280,6 @@
       </p:sp>
       <p:sp>
         <p:nvSpPr>
-          <p:cNvPr id="24" name="Retângulo 23">
-            <a:extLst>
-              <a:ext uri="{FF2B5EF4-FFF2-40B4-BE49-F238E27FC236}">
-                <a16:creationId xmlns:a16="http://schemas.microsoft.com/office/drawing/2014/main" id="{4D872985-331B-49A5-8D85-514E087599FB}"/>
-              </a:ext>
-            </a:extLst>
-          </p:cNvPr>
-          <p:cNvSpPr/>
-          <p:nvPr/>
-        </p:nvSpPr>
-        <p:spPr>
-          <a:xfrm>
-            <a:off x="8352717" y="5660674"/>
-            <a:ext cx="1653994" cy="899609"/>
-          </a:xfrm>
-          <a:prstGeom prst="rect">
-            <a:avLst/>
-          </a:prstGeom>
-          <a:solidFill>
-            <a:srgbClr val="7030A0"/>
-          </a:solidFill>
-          <a:ln>
-            <a:solidFill>
-              <a:schemeClr val="tx1"/>
-            </a:solidFill>
-          </a:ln>
-        </p:spPr>
-        <p:style>
-          <a:lnRef idx="2">
-            <a:schemeClr val="accent1">
-              <a:shade val="50000"/>
-            </a:schemeClr>
-          </a:lnRef>
-          <a:fillRef idx="1">
-            <a:schemeClr val="accent1"/>
-          </a:fillRef>
-          <a:effectRef idx="0">
-            <a:schemeClr val="accent1"/>
-          </a:effectRef>
-          <a:fontRef idx="minor">
-            <a:schemeClr val="lt1"/>
-          </a:fontRef>
-        </p:style>
-        <p:txBody>
-          <a:bodyPr rtlCol="0" anchor="ctr"/>
-          <a:lstStyle/>
-          <a:p>
-            <a:pPr algn="ctr"/>
-            <a:r>
-              <a:rPr lang="pt-BR" sz="1600" dirty="0"/>
-              <a:t>IDENTIFICAÇÃO DE INTERVALOS(A DECIDIR)</a:t>
-            </a:r>
-          </a:p>
-        </p:txBody>
-      </p:sp>
-      <p:sp>
-        <p:nvSpPr>
           <p:cNvPr id="30" name="Retângulo 29">
             <a:extLst>
               <a:ext uri="{FF2B5EF4-FFF2-40B4-BE49-F238E27FC236}">

--- a/Documentação/lean ux.pptx
+++ b/Documentação/lean ux.pptx
@@ -112,6 +112,14 @@
 </p:presentation>
 </file>
 
+<file path=ppt/revisionInfo.xml><?xml version="1.0" encoding="utf-8"?>
+<p1510:revInfo xmlns:a="http://schemas.openxmlformats.org/drawingml/2006/main" xmlns:r="http://schemas.openxmlformats.org/officeDocument/2006/relationships" xmlns:p1510="http://schemas.microsoft.com/office/powerpoint/2015/10/main">
+  <p1510:revLst>
+    <p1510:client id="{C0A5FE8C-A58E-8EFC-3F02-BDE95D41CBF9}" v="279" dt="2020-09-15T21:34:34.826"/>
+  </p1510:revLst>
+</p1510:revInfo>
+</file>
+
 <file path=ppt/slideLayouts/slideLayout1.xml><?xml version="1.0" encoding="utf-8"?>
 <p:sldLayout xmlns:a="http://schemas.openxmlformats.org/drawingml/2006/main" xmlns:r="http://schemas.openxmlformats.org/officeDocument/2006/relationships" xmlns:p="http://schemas.openxmlformats.org/presentationml/2006/main" type="title" preserve="1">
   <p:cSld name="Slide de Título">
@@ -259,7 +267,7 @@
           <a:p>
             <a:fld id="{43F933E2-FB6E-4889-A914-2C95F73E32EB}" type="datetimeFigureOut">
               <a:rPr lang="pt-BR" smtClean="0"/>
-              <a:t>12/09/2020</a:t>
+              <a:t>15/09/2020</a:t>
             </a:fld>
             <a:endParaRPr lang="pt-BR"/>
           </a:p>
@@ -313,7 +321,7 @@
           <a:p>
             <a:fld id="{5AA21F73-6E3A-4254-8F12-7D15026DCAEE}" type="slidenum">
               <a:rPr lang="pt-BR" smtClean="0"/>
-              <a:t>‹nº›</a:t>
+              <a:t>‹#›</a:t>
             </a:fld>
             <a:endParaRPr lang="pt-BR"/>
           </a:p>
@@ -457,7 +465,7 @@
           <a:p>
             <a:fld id="{43F933E2-FB6E-4889-A914-2C95F73E32EB}" type="datetimeFigureOut">
               <a:rPr lang="pt-BR" smtClean="0"/>
-              <a:t>12/09/2020</a:t>
+              <a:t>15/09/2020</a:t>
             </a:fld>
             <a:endParaRPr lang="pt-BR"/>
           </a:p>
@@ -511,7 +519,7 @@
           <a:p>
             <a:fld id="{5AA21F73-6E3A-4254-8F12-7D15026DCAEE}" type="slidenum">
               <a:rPr lang="pt-BR" smtClean="0"/>
-              <a:t>‹nº›</a:t>
+              <a:t>‹#›</a:t>
             </a:fld>
             <a:endParaRPr lang="pt-BR"/>
           </a:p>
@@ -665,7 +673,7 @@
           <a:p>
             <a:fld id="{43F933E2-FB6E-4889-A914-2C95F73E32EB}" type="datetimeFigureOut">
               <a:rPr lang="pt-BR" smtClean="0"/>
-              <a:t>12/09/2020</a:t>
+              <a:t>15/09/2020</a:t>
             </a:fld>
             <a:endParaRPr lang="pt-BR"/>
           </a:p>
@@ -719,7 +727,7 @@
           <a:p>
             <a:fld id="{5AA21F73-6E3A-4254-8F12-7D15026DCAEE}" type="slidenum">
               <a:rPr lang="pt-BR" smtClean="0"/>
-              <a:t>‹nº›</a:t>
+              <a:t>‹#›</a:t>
             </a:fld>
             <a:endParaRPr lang="pt-BR"/>
           </a:p>
@@ -863,7 +871,7 @@
           <a:p>
             <a:fld id="{43F933E2-FB6E-4889-A914-2C95F73E32EB}" type="datetimeFigureOut">
               <a:rPr lang="pt-BR" smtClean="0"/>
-              <a:t>12/09/2020</a:t>
+              <a:t>15/09/2020</a:t>
             </a:fld>
             <a:endParaRPr lang="pt-BR"/>
           </a:p>
@@ -917,7 +925,7 @@
           <a:p>
             <a:fld id="{5AA21F73-6E3A-4254-8F12-7D15026DCAEE}" type="slidenum">
               <a:rPr lang="pt-BR" smtClean="0"/>
-              <a:t>‹nº›</a:t>
+              <a:t>‹#›</a:t>
             </a:fld>
             <a:endParaRPr lang="pt-BR"/>
           </a:p>
@@ -1138,7 +1146,7 @@
           <a:p>
             <a:fld id="{43F933E2-FB6E-4889-A914-2C95F73E32EB}" type="datetimeFigureOut">
               <a:rPr lang="pt-BR" smtClean="0"/>
-              <a:t>12/09/2020</a:t>
+              <a:t>15/09/2020</a:t>
             </a:fld>
             <a:endParaRPr lang="pt-BR"/>
           </a:p>
@@ -1192,7 +1200,7 @@
           <a:p>
             <a:fld id="{5AA21F73-6E3A-4254-8F12-7D15026DCAEE}" type="slidenum">
               <a:rPr lang="pt-BR" smtClean="0"/>
-              <a:t>‹nº›</a:t>
+              <a:t>‹#›</a:t>
             </a:fld>
             <a:endParaRPr lang="pt-BR"/>
           </a:p>
@@ -1403,7 +1411,7 @@
           <a:p>
             <a:fld id="{43F933E2-FB6E-4889-A914-2C95F73E32EB}" type="datetimeFigureOut">
               <a:rPr lang="pt-BR" smtClean="0"/>
-              <a:t>12/09/2020</a:t>
+              <a:t>15/09/2020</a:t>
             </a:fld>
             <a:endParaRPr lang="pt-BR"/>
           </a:p>
@@ -1457,7 +1465,7 @@
           <a:p>
             <a:fld id="{5AA21F73-6E3A-4254-8F12-7D15026DCAEE}" type="slidenum">
               <a:rPr lang="pt-BR" smtClean="0"/>
-              <a:t>‹nº›</a:t>
+              <a:t>‹#›</a:t>
             </a:fld>
             <a:endParaRPr lang="pt-BR"/>
           </a:p>
@@ -1815,7 +1823,7 @@
           <a:p>
             <a:fld id="{43F933E2-FB6E-4889-A914-2C95F73E32EB}" type="datetimeFigureOut">
               <a:rPr lang="pt-BR" smtClean="0"/>
-              <a:t>12/09/2020</a:t>
+              <a:t>15/09/2020</a:t>
             </a:fld>
             <a:endParaRPr lang="pt-BR"/>
           </a:p>
@@ -1869,7 +1877,7 @@
           <a:p>
             <a:fld id="{5AA21F73-6E3A-4254-8F12-7D15026DCAEE}" type="slidenum">
               <a:rPr lang="pt-BR" smtClean="0"/>
-              <a:t>‹nº›</a:t>
+              <a:t>‹#›</a:t>
             </a:fld>
             <a:endParaRPr lang="pt-BR"/>
           </a:p>
@@ -1956,7 +1964,7 @@
           <a:p>
             <a:fld id="{43F933E2-FB6E-4889-A914-2C95F73E32EB}" type="datetimeFigureOut">
               <a:rPr lang="pt-BR" smtClean="0"/>
-              <a:t>12/09/2020</a:t>
+              <a:t>15/09/2020</a:t>
             </a:fld>
             <a:endParaRPr lang="pt-BR"/>
           </a:p>
@@ -2010,7 +2018,7 @@
           <a:p>
             <a:fld id="{5AA21F73-6E3A-4254-8F12-7D15026DCAEE}" type="slidenum">
               <a:rPr lang="pt-BR" smtClean="0"/>
-              <a:t>‹nº›</a:t>
+              <a:t>‹#›</a:t>
             </a:fld>
             <a:endParaRPr lang="pt-BR"/>
           </a:p>
@@ -2069,7 +2077,7 @@
           <a:p>
             <a:fld id="{43F933E2-FB6E-4889-A914-2C95F73E32EB}" type="datetimeFigureOut">
               <a:rPr lang="pt-BR" smtClean="0"/>
-              <a:t>12/09/2020</a:t>
+              <a:t>15/09/2020</a:t>
             </a:fld>
             <a:endParaRPr lang="pt-BR"/>
           </a:p>
@@ -2123,7 +2131,7 @@
           <a:p>
             <a:fld id="{5AA21F73-6E3A-4254-8F12-7D15026DCAEE}" type="slidenum">
               <a:rPr lang="pt-BR" smtClean="0"/>
-              <a:t>‹nº›</a:t>
+              <a:t>‹#›</a:t>
             </a:fld>
             <a:endParaRPr lang="pt-BR"/>
           </a:p>
@@ -2380,7 +2388,7 @@
           <a:p>
             <a:fld id="{43F933E2-FB6E-4889-A914-2C95F73E32EB}" type="datetimeFigureOut">
               <a:rPr lang="pt-BR" smtClean="0"/>
-              <a:t>12/09/2020</a:t>
+              <a:t>15/09/2020</a:t>
             </a:fld>
             <a:endParaRPr lang="pt-BR"/>
           </a:p>
@@ -2434,7 +2442,7 @@
           <a:p>
             <a:fld id="{5AA21F73-6E3A-4254-8F12-7D15026DCAEE}" type="slidenum">
               <a:rPr lang="pt-BR" smtClean="0"/>
-              <a:t>‹nº›</a:t>
+              <a:t>‹#›</a:t>
             </a:fld>
             <a:endParaRPr lang="pt-BR"/>
           </a:p>
@@ -2668,7 +2676,7 @@
           <a:p>
             <a:fld id="{43F933E2-FB6E-4889-A914-2C95F73E32EB}" type="datetimeFigureOut">
               <a:rPr lang="pt-BR" smtClean="0"/>
-              <a:t>12/09/2020</a:t>
+              <a:t>15/09/2020</a:t>
             </a:fld>
             <a:endParaRPr lang="pt-BR"/>
           </a:p>
@@ -2722,7 +2730,7 @@
           <a:p>
             <a:fld id="{5AA21F73-6E3A-4254-8F12-7D15026DCAEE}" type="slidenum">
               <a:rPr lang="pt-BR" smtClean="0"/>
-              <a:t>‹nº›</a:t>
+              <a:t>‹#›</a:t>
             </a:fld>
             <a:endParaRPr lang="pt-BR"/>
           </a:p>
@@ -2909,7 +2917,7 @@
           <a:p>
             <a:fld id="{43F933E2-FB6E-4889-A914-2C95F73E32EB}" type="datetimeFigureOut">
               <a:rPr lang="pt-BR" smtClean="0"/>
-              <a:t>12/09/2020</a:t>
+              <a:t>15/09/2020</a:t>
             </a:fld>
             <a:endParaRPr lang="pt-BR"/>
           </a:p>
@@ -2999,7 +3007,7 @@
           <a:p>
             <a:fld id="{5AA21F73-6E3A-4254-8F12-7D15026DCAEE}" type="slidenum">
               <a:rPr lang="pt-BR" smtClean="0"/>
-              <a:t>‹nº›</a:t>
+              <a:t>‹#›</a:t>
             </a:fld>
             <a:endParaRPr lang="pt-BR"/>
           </a:p>
@@ -3350,7 +3358,10 @@
           </a:prstGeom>
           <a:ln w="38100">
             <a:solidFill>
-              <a:schemeClr val="tx1"/>
+              <a:schemeClr val="tx1">
+                <a:lumMod val="85000"/>
+                <a:lumOff val="15000"/>
+              </a:schemeClr>
             </a:solidFill>
           </a:ln>
         </p:spPr>
@@ -3393,7 +3404,10 @@
           </a:prstGeom>
           <a:ln w="38100">
             <a:solidFill>
-              <a:schemeClr val="tx1"/>
+              <a:schemeClr val="tx1">
+                <a:lumMod val="85000"/>
+                <a:lumOff val="15000"/>
+              </a:schemeClr>
             </a:solidFill>
           </a:ln>
         </p:spPr>
@@ -3436,7 +3450,10 @@
           </a:prstGeom>
           <a:ln w="38100">
             <a:solidFill>
-              <a:schemeClr val="tx1"/>
+              <a:schemeClr val="tx1">
+                <a:lumMod val="85000"/>
+                <a:lumOff val="15000"/>
+              </a:schemeClr>
             </a:solidFill>
           </a:ln>
         </p:spPr>
@@ -3469,7 +3486,7 @@
         </p:nvSpPr>
         <p:spPr>
           <a:xfrm>
-            <a:off x="154764" y="1035249"/>
+            <a:off x="269064" y="1035249"/>
             <a:ext cx="3435556" cy="584775"/>
           </a:xfrm>
           <a:prstGeom prst="rect">
@@ -3606,7 +3623,7 @@
         </p:nvSpPr>
         <p:spPr>
           <a:xfrm>
-            <a:off x="381439" y="3957395"/>
+            <a:off x="943414" y="3843095"/>
             <a:ext cx="2528256" cy="338554"/>
           </a:xfrm>
           <a:prstGeom prst="rect">
@@ -3735,7 +3752,7 @@
         </p:nvSpPr>
         <p:spPr>
           <a:xfrm>
-            <a:off x="5018937" y="1281470"/>
+            <a:off x="5209437" y="1176695"/>
             <a:ext cx="2268570" cy="338554"/>
           </a:xfrm>
           <a:prstGeom prst="rect">
@@ -4002,7 +4019,10 @@
           <a:noFill/>
           <a:ln w="38100">
             <a:solidFill>
-              <a:schemeClr val="tx1"/>
+              <a:schemeClr val="tx1">
+                <a:lumMod val="85000"/>
+                <a:lumOff val="15000"/>
+              </a:schemeClr>
             </a:solidFill>
           </a:ln>
         </p:spPr>
@@ -4027,7 +4047,11 @@
           <a:lstStyle/>
           <a:p>
             <a:pPr algn="ctr"/>
-            <a:endParaRPr lang="pt-BR"/>
+            <a:endParaRPr lang="pt-BR">
+              <a:solidFill>
+                <a:srgbClr val="C00000"/>
+              </a:solidFill>
+            </a:endParaRPr>
           </a:p>
         </p:txBody>
       </p:sp>
@@ -4045,7 +4069,7 @@
         </p:nvSpPr>
         <p:spPr>
           <a:xfrm>
-            <a:off x="154764" y="1635332"/>
+            <a:off x="430989" y="1635332"/>
             <a:ext cx="1380413" cy="584774"/>
           </a:xfrm>
           <a:prstGeom prst="rect">
@@ -4056,7 +4080,10 @@
           </a:solidFill>
           <a:ln>
             <a:solidFill>
-              <a:schemeClr val="tx1"/>
+              <a:schemeClr val="accent6">
+                <a:lumMod val="60000"/>
+                <a:lumOff val="40000"/>
+              </a:schemeClr>
             </a:solidFill>
           </a:ln>
         </p:spPr>
@@ -4102,7 +4129,7 @@
         </p:nvSpPr>
         <p:spPr>
           <a:xfrm>
-            <a:off x="1645567" y="1635334"/>
+            <a:off x="2055142" y="1635334"/>
             <a:ext cx="1407589" cy="584772"/>
           </a:xfrm>
           <a:prstGeom prst="rect">
@@ -4115,7 +4142,9 @@
           </a:solidFill>
           <a:ln>
             <a:solidFill>
-              <a:schemeClr val="tx1"/>
+              <a:schemeClr val="accent1">
+                <a:lumMod val="75000"/>
+              </a:schemeClr>
             </a:solidFill>
           </a:ln>
         </p:spPr>
@@ -4161,7 +4190,7 @@
         </p:nvSpPr>
         <p:spPr>
           <a:xfrm>
-            <a:off x="127587" y="2354246"/>
+            <a:off x="403812" y="2354246"/>
             <a:ext cx="1407590" cy="584774"/>
           </a:xfrm>
           <a:prstGeom prst="rect">
@@ -4172,7 +4201,7 @@
           </a:solidFill>
           <a:ln>
             <a:solidFill>
-              <a:schemeClr val="tx1"/>
+              <a:srgbClr val="00B050"/>
             </a:solidFill>
           </a:ln>
         </p:spPr>
@@ -4218,7 +4247,7 @@
         </p:nvSpPr>
         <p:spPr>
           <a:xfrm>
-            <a:off x="127586" y="3008158"/>
+            <a:off x="384761" y="3065308"/>
             <a:ext cx="1407591" cy="584766"/>
           </a:xfrm>
           <a:prstGeom prst="rect">
@@ -4229,7 +4258,7 @@
           </a:solidFill>
           <a:ln>
             <a:solidFill>
-              <a:schemeClr val="tx1"/>
+              <a:srgbClr val="FFC000"/>
             </a:solidFill>
           </a:ln>
         </p:spPr>
@@ -4250,14 +4279,17 @@
           </a:fontRef>
         </p:style>
         <p:txBody>
-          <a:bodyPr rtlCol="0" anchor="ctr"/>
+          <a:bodyPr lIns="91440" tIns="45720" rIns="91440" bIns="45720" rtlCol="0" anchor="ctr"/>
           <a:lstStyle/>
           <a:p>
             <a:pPr algn="ctr"/>
             <a:r>
-              <a:rPr lang="pt-BR" dirty="0"/>
-              <a:t>Capturar log de erros</a:t>
-            </a:r>
+              <a:rPr lang="pt-BR" sz="1400" dirty="0"/>
+              <a:t>CAPTURAR LOGS DE ERROS</a:t>
+            </a:r>
+            <a:endParaRPr lang="pt-BR" sz="1400" dirty="0">
+              <a:cs typeface="Calibri"/>
+            </a:endParaRPr>
           </a:p>
         </p:txBody>
       </p:sp>
@@ -4275,7 +4307,7 @@
         </p:nvSpPr>
         <p:spPr>
           <a:xfrm>
-            <a:off x="1645566" y="2363783"/>
+            <a:off x="2055141" y="2363783"/>
             <a:ext cx="1407590" cy="584774"/>
           </a:xfrm>
           <a:prstGeom prst="rect">
@@ -4286,7 +4318,7 @@
           </a:solidFill>
           <a:ln>
             <a:solidFill>
-              <a:schemeClr val="tx1"/>
+              <a:srgbClr val="00B0F0"/>
             </a:solidFill>
           </a:ln>
         </p:spPr>
@@ -4332,7 +4364,7 @@
         </p:nvSpPr>
         <p:spPr>
           <a:xfrm>
-            <a:off x="1645566" y="3005348"/>
+            <a:off x="2055141" y="3062498"/>
             <a:ext cx="1407590" cy="584774"/>
           </a:xfrm>
           <a:prstGeom prst="rect">
@@ -4343,7 +4375,7 @@
           </a:solidFill>
           <a:ln>
             <a:solidFill>
-              <a:schemeClr val="tx1"/>
+              <a:srgbClr val="7030A0"/>
             </a:solidFill>
           </a:ln>
         </p:spPr>
@@ -4389,7 +4421,7 @@
         </p:nvSpPr>
         <p:spPr>
           <a:xfrm>
-            <a:off x="1182335" y="4637892"/>
+            <a:off x="1382360" y="4475967"/>
             <a:ext cx="1380413" cy="584774"/>
           </a:xfrm>
           <a:prstGeom prst="rect">
@@ -4397,12 +4429,14 @@
           </a:prstGeom>
           <a:solidFill>
             <a:schemeClr val="bg2">
-              <a:lumMod val="90000"/>
+              <a:lumMod val="50000"/>
             </a:schemeClr>
           </a:solidFill>
           <a:ln>
             <a:solidFill>
-              <a:schemeClr val="tx1"/>
+              <a:schemeClr val="bg2">
+                <a:lumMod val="50000"/>
+              </a:schemeClr>
             </a:solidFill>
           </a:ln>
         </p:spPr>
@@ -4457,14 +4491,14 @@
           <a:noFill/>
         </p:spPr>
         <p:txBody>
-          <a:bodyPr wrap="square" rtlCol="0">
+          <a:bodyPr wrap="square" lIns="91440" tIns="45720" rIns="91440" bIns="45720" rtlCol="0" anchor="t">
             <a:spAutoFit/>
           </a:bodyPr>
           <a:lstStyle/>
           <a:p>
             <a:r>
               <a:rPr lang="pt-BR" sz="2000" dirty="0"/>
-              <a:t>LEAN UX – SUPER PROJETO </a:t>
+              <a:t>LEAN UX – TELEMON</a:t>
             </a:r>
           </a:p>
         </p:txBody>
@@ -4483,7 +4517,7 @@
         </p:nvSpPr>
         <p:spPr>
           <a:xfrm>
-            <a:off x="4213618" y="1635332"/>
+            <a:off x="4461268" y="1635332"/>
             <a:ext cx="1380413" cy="584774"/>
           </a:xfrm>
           <a:prstGeom prst="rect">
@@ -4494,7 +4528,10 @@
           </a:solidFill>
           <a:ln>
             <a:solidFill>
-              <a:schemeClr val="tx1"/>
+              <a:schemeClr val="accent6">
+                <a:lumMod val="60000"/>
+                <a:lumOff val="40000"/>
+              </a:schemeClr>
             </a:solidFill>
           </a:ln>
         </p:spPr>
@@ -4540,7 +4577,7 @@
         </p:nvSpPr>
         <p:spPr>
           <a:xfrm>
-            <a:off x="4246138" y="3372621"/>
+            <a:off x="4427113" y="3134496"/>
             <a:ext cx="1407590" cy="584774"/>
           </a:xfrm>
           <a:prstGeom prst="rect">
@@ -4551,7 +4588,7 @@
           </a:solidFill>
           <a:ln>
             <a:solidFill>
-              <a:schemeClr val="tx1"/>
+              <a:srgbClr val="7030A0"/>
             </a:solidFill>
           </a:ln>
         </p:spPr>
@@ -4597,7 +4634,7 @@
         </p:nvSpPr>
         <p:spPr>
           <a:xfrm>
-            <a:off x="4246138" y="3834285"/>
+            <a:off x="4427113" y="3872385"/>
             <a:ext cx="1407590" cy="584774"/>
           </a:xfrm>
           <a:prstGeom prst="rect">
@@ -4608,7 +4645,7 @@
           </a:solidFill>
           <a:ln>
             <a:solidFill>
-              <a:schemeClr val="tx1"/>
+              <a:srgbClr val="7030A0"/>
             </a:solidFill>
           </a:ln>
         </p:spPr>
@@ -4654,7 +4691,7 @@
         </p:nvSpPr>
         <p:spPr>
           <a:xfrm>
-            <a:off x="5451803" y="3603453"/>
+            <a:off x="6270953" y="3393903"/>
             <a:ext cx="1407590" cy="584774"/>
           </a:xfrm>
           <a:prstGeom prst="rect">
@@ -4665,7 +4702,7 @@
           </a:solidFill>
           <a:ln>
             <a:solidFill>
-              <a:schemeClr val="tx1"/>
+              <a:srgbClr val="7030A0"/>
             </a:solidFill>
           </a:ln>
         </p:spPr>
@@ -4711,7 +4748,7 @@
         </p:nvSpPr>
         <p:spPr>
           <a:xfrm>
-            <a:off x="6676274" y="1684749"/>
+            <a:off x="6266699" y="1637124"/>
             <a:ext cx="1407590" cy="584774"/>
           </a:xfrm>
           <a:prstGeom prst="rect">
@@ -4722,7 +4759,7 @@
           </a:solidFill>
           <a:ln>
             <a:solidFill>
-              <a:schemeClr val="tx1"/>
+              <a:srgbClr val="00B050"/>
             </a:solidFill>
           </a:ln>
         </p:spPr>
@@ -4768,7 +4805,7 @@
         </p:nvSpPr>
         <p:spPr>
           <a:xfrm>
-            <a:off x="6692382" y="2151437"/>
+            <a:off x="6273282" y="2360987"/>
             <a:ext cx="1407590" cy="584774"/>
           </a:xfrm>
           <a:prstGeom prst="rect">
@@ -4779,7 +4816,7 @@
           </a:solidFill>
           <a:ln>
             <a:solidFill>
-              <a:schemeClr val="tx1"/>
+              <a:srgbClr val="00B050"/>
             </a:solidFill>
           </a:ln>
         </p:spPr>
@@ -4825,7 +4862,7 @@
         </p:nvSpPr>
         <p:spPr>
           <a:xfrm>
-            <a:off x="4230849" y="2138716"/>
+            <a:off x="4459449" y="2367316"/>
             <a:ext cx="1380413" cy="584774"/>
           </a:xfrm>
           <a:prstGeom prst="rect">
@@ -4836,7 +4873,10 @@
           </a:solidFill>
           <a:ln>
             <a:solidFill>
-              <a:schemeClr val="tx1"/>
+              <a:schemeClr val="accent6">
+                <a:lumMod val="60000"/>
+                <a:lumOff val="40000"/>
+              </a:schemeClr>
             </a:solidFill>
           </a:ln>
         </p:spPr>
@@ -4889,7 +4929,7 @@
         </p:nvSpPr>
         <p:spPr>
           <a:xfrm>
-            <a:off x="6699686" y="4295949"/>
+            <a:off x="6261536" y="4181649"/>
             <a:ext cx="1407589" cy="584772"/>
           </a:xfrm>
           <a:prstGeom prst="rect">
@@ -4902,7 +4942,9 @@
           </a:solidFill>
           <a:ln>
             <a:solidFill>
-              <a:schemeClr val="tx1"/>
+              <a:schemeClr val="accent1">
+                <a:lumMod val="75000"/>
+              </a:schemeClr>
             </a:solidFill>
           </a:ln>
         </p:spPr>
@@ -4948,7 +4990,7 @@
         </p:nvSpPr>
         <p:spPr>
           <a:xfrm>
-            <a:off x="4230849" y="4763082"/>
+            <a:off x="4430874" y="4763082"/>
             <a:ext cx="1407590" cy="584774"/>
           </a:xfrm>
           <a:prstGeom prst="rect">
@@ -4959,7 +5001,7 @@
           </a:solidFill>
           <a:ln>
             <a:solidFill>
-              <a:schemeClr val="tx1"/>
+              <a:srgbClr val="00B0F0"/>
             </a:solidFill>
           </a:ln>
         </p:spPr>
@@ -5005,7 +5047,7 @@
         </p:nvSpPr>
         <p:spPr>
           <a:xfrm>
-            <a:off x="6265650" y="5455582"/>
+            <a:off x="6265650" y="5007907"/>
             <a:ext cx="1407591" cy="584766"/>
           </a:xfrm>
           <a:prstGeom prst="rect">
@@ -5016,7 +5058,7 @@
           </a:solidFill>
           <a:ln>
             <a:solidFill>
-              <a:schemeClr val="tx1"/>
+              <a:srgbClr val="FFC000"/>
             </a:solidFill>
           </a:ln>
         </p:spPr>
@@ -5062,7 +5104,7 @@
         </p:nvSpPr>
         <p:spPr>
           <a:xfrm>
-            <a:off x="6550361" y="5912873"/>
+            <a:off x="6274136" y="5789048"/>
             <a:ext cx="1407591" cy="584766"/>
           </a:xfrm>
           <a:prstGeom prst="rect">
@@ -5073,7 +5115,7 @@
           </a:solidFill>
           <a:ln>
             <a:solidFill>
-              <a:schemeClr val="tx1"/>
+              <a:srgbClr val="FFC000"/>
             </a:solidFill>
           </a:ln>
         </p:spPr>
@@ -5130,7 +5172,10 @@
           </a:solidFill>
           <a:ln>
             <a:solidFill>
-              <a:schemeClr val="tx1"/>
+              <a:schemeClr val="accent6">
+                <a:lumMod val="60000"/>
+                <a:lumOff val="40000"/>
+              </a:schemeClr>
             </a:solidFill>
           </a:ln>
         </p:spPr>
@@ -5176,7 +5221,7 @@
         </p:nvSpPr>
         <p:spPr>
           <a:xfrm>
-            <a:off x="10330233" y="2079830"/>
+            <a:off x="10149258" y="1775030"/>
             <a:ext cx="1526791" cy="584774"/>
           </a:xfrm>
           <a:prstGeom prst="rect">
@@ -5187,7 +5232,7 @@
           </a:solidFill>
           <a:ln>
             <a:solidFill>
-              <a:schemeClr val="tx1"/>
+              <a:srgbClr val="00B050"/>
             </a:solidFill>
           </a:ln>
         </p:spPr>
@@ -5233,7 +5278,7 @@
         </p:nvSpPr>
         <p:spPr>
           <a:xfrm>
-            <a:off x="10574691" y="3589753"/>
+            <a:off x="10184166" y="4123153"/>
             <a:ext cx="1447332" cy="584772"/>
           </a:xfrm>
           <a:prstGeom prst="rect">
@@ -5246,7 +5291,9 @@
           </a:solidFill>
           <a:ln>
             <a:solidFill>
-              <a:schemeClr val="tx1"/>
+              <a:schemeClr val="accent1">
+                <a:lumMod val="75000"/>
+              </a:schemeClr>
             </a:solidFill>
           </a:ln>
         </p:spPr>
@@ -5292,7 +5339,7 @@
         </p:nvSpPr>
         <p:spPr>
           <a:xfrm>
-            <a:off x="8291232" y="4693122"/>
+            <a:off x="8662707" y="4931247"/>
             <a:ext cx="1407590" cy="584774"/>
           </a:xfrm>
           <a:prstGeom prst="rect">
@@ -5303,7 +5350,7 @@
           </a:solidFill>
           <a:ln>
             <a:solidFill>
-              <a:schemeClr val="tx1"/>
+              <a:srgbClr val="00B0F0"/>
             </a:solidFill>
           </a:ln>
         </p:spPr>
@@ -5324,14 +5371,17 @@
           </a:fontRef>
         </p:style>
         <p:txBody>
-          <a:bodyPr rtlCol="0" anchor="ctr"/>
+          <a:bodyPr lIns="91440" tIns="45720" rIns="91440" bIns="45720" rtlCol="0" anchor="ctr"/>
           <a:lstStyle/>
           <a:p>
             <a:pPr algn="ctr"/>
             <a:r>
-              <a:rPr lang="pt-BR" sz="1400" dirty="0"/>
-              <a:t>REALOCAR TAREFA (A DECIDIR)</a:t>
-            </a:r>
+              <a:rPr lang="pt-BR" sz="1200" dirty="0"/>
+              <a:t>REALOCAR TAREFA E CARGOS AOS FUNCIONÁRIOS</a:t>
+            </a:r>
+            <a:endParaRPr lang="pt-BR" sz="1200" dirty="0">
+              <a:cs typeface="Calibri"/>
+            </a:endParaRPr>
           </a:p>
         </p:txBody>
       </p:sp>
@@ -5349,8 +5399,8 @@
         </p:nvSpPr>
         <p:spPr>
           <a:xfrm>
-            <a:off x="9626437" y="2775702"/>
-            <a:ext cx="1407591" cy="584766"/>
+            <a:off x="10150312" y="2575677"/>
+            <a:ext cx="1531416" cy="546666"/>
           </a:xfrm>
           <a:prstGeom prst="rect">
             <a:avLst/>
@@ -5360,7 +5410,7 @@
           </a:solidFill>
           <a:ln>
             <a:solidFill>
-              <a:schemeClr val="tx1"/>
+              <a:srgbClr val="FFC000"/>
             </a:solidFill>
           </a:ln>
         </p:spPr>
@@ -5381,13 +5431,15 @@
           </a:fontRef>
         </p:style>
         <p:txBody>
-          <a:bodyPr rtlCol="0" anchor="ctr"/>
+          <a:bodyPr lIns="91440" tIns="45720" rIns="91440" bIns="45720" rtlCol="0" anchor="ctr"/>
           <a:lstStyle/>
           <a:p>
             <a:pPr algn="ctr"/>
             <a:r>
-              <a:rPr lang="pt-BR" dirty="0"/>
-              <a:t>Correção de erros</a:t>
+              <a:rPr lang="pt-BR" dirty="0">
+                <a:cs typeface="Calibri"/>
+              </a:rPr>
+              <a:t>CORREÇÕES DE ERROS</a:t>
             </a:r>
           </a:p>
         </p:txBody>
@@ -5406,7 +5458,7 @@
         </p:nvSpPr>
         <p:spPr>
           <a:xfrm>
-            <a:off x="9448329" y="3988685"/>
+            <a:off x="8600604" y="4122035"/>
             <a:ext cx="1478691" cy="642662"/>
           </a:xfrm>
           <a:prstGeom prst="rect">
@@ -5419,7 +5471,9 @@
           </a:solidFill>
           <a:ln>
             <a:solidFill>
-              <a:schemeClr val="tx1"/>
+              <a:schemeClr val="accent1">
+                <a:lumMod val="75000"/>
+              </a:schemeClr>
             </a:solidFill>
           </a:ln>
         </p:spPr>
@@ -5465,7 +5519,7 @@
         </p:nvSpPr>
         <p:spPr>
           <a:xfrm>
-            <a:off x="8786749" y="3284248"/>
+            <a:off x="9272524" y="3293773"/>
             <a:ext cx="1590432" cy="642662"/>
           </a:xfrm>
           <a:prstGeom prst="rect">
@@ -5476,7 +5530,7 @@
           </a:solidFill>
           <a:ln>
             <a:solidFill>
-              <a:schemeClr val="tx1"/>
+              <a:srgbClr val="FFC000"/>
             </a:solidFill>
           </a:ln>
         </p:spPr>
@@ -5497,14 +5551,17 @@
           </a:fontRef>
         </p:style>
         <p:txBody>
-          <a:bodyPr rtlCol="0" anchor="ctr"/>
+          <a:bodyPr lIns="91440" tIns="45720" rIns="91440" bIns="45720" rtlCol="0" anchor="ctr"/>
           <a:lstStyle/>
           <a:p>
             <a:pPr algn="ctr"/>
             <a:r>
-              <a:rPr lang="pt-BR" dirty="0"/>
-              <a:t>Conhecimento da condição</a:t>
-            </a:r>
+              <a:rPr lang="pt-BR" sz="1200" dirty="0"/>
+              <a:t>CONHECIMENTO DAS CONDIÇÕES DAS MÁQUINAS</a:t>
+            </a:r>
+            <a:endParaRPr lang="pt-BR" sz="1200" dirty="0">
+              <a:cs typeface="Calibri"/>
+            </a:endParaRPr>
           </a:p>
         </p:txBody>
       </p:sp>
@@ -5522,7 +5579,7 @@
         </p:nvSpPr>
         <p:spPr>
           <a:xfrm>
-            <a:off x="9483708" y="4950015"/>
+            <a:off x="10236183" y="4930965"/>
             <a:ext cx="1407590" cy="584774"/>
           </a:xfrm>
           <a:prstGeom prst="rect">
@@ -5533,7 +5590,7 @@
           </a:solidFill>
           <a:ln>
             <a:solidFill>
-              <a:schemeClr val="tx1"/>
+              <a:srgbClr val="00B0F0"/>
             </a:solidFill>
           </a:ln>
         </p:spPr>
@@ -5579,7 +5636,7 @@
         </p:nvSpPr>
         <p:spPr>
           <a:xfrm>
-            <a:off x="8314257" y="2756474"/>
+            <a:off x="8466657" y="2613599"/>
             <a:ext cx="1407591" cy="584766"/>
           </a:xfrm>
           <a:prstGeom prst="rect">
@@ -5590,7 +5647,7 @@
           </a:solidFill>
           <a:ln>
             <a:solidFill>
-              <a:schemeClr val="tx1"/>
+              <a:srgbClr val="FFC000"/>
             </a:solidFill>
           </a:ln>
         </p:spPr>
@@ -5611,14 +5668,17 @@
           </a:fontRef>
         </p:style>
         <p:txBody>
-          <a:bodyPr rtlCol="0" anchor="ctr"/>
+          <a:bodyPr lIns="91440" tIns="45720" rIns="91440" bIns="45720" rtlCol="0" anchor="ctr"/>
           <a:lstStyle/>
           <a:p>
             <a:pPr algn="ctr"/>
             <a:r>
               <a:rPr lang="pt-BR" dirty="0"/>
-              <a:t>Prevenção de erros</a:t>
-            </a:r>
+              <a:t>PREVENÇÃO DE ERROS</a:t>
+            </a:r>
+            <a:endParaRPr lang="pt-BR" dirty="0">
+              <a:cs typeface="Calibri"/>
+            </a:endParaRPr>
           </a:p>
         </p:txBody>
       </p:sp>
@@ -5636,8 +5696,8 @@
         </p:nvSpPr>
         <p:spPr>
           <a:xfrm>
-            <a:off x="10006711" y="5913735"/>
-            <a:ext cx="1407590" cy="584774"/>
+            <a:off x="9368536" y="5694660"/>
+            <a:ext cx="1569515" cy="680024"/>
           </a:xfrm>
           <a:prstGeom prst="rect">
             <a:avLst/>
@@ -5647,7 +5707,7 @@
           </a:solidFill>
           <a:ln>
             <a:solidFill>
-              <a:schemeClr val="tx1"/>
+              <a:srgbClr val="7030A0"/>
             </a:solidFill>
           </a:ln>
         </p:spPr>
@@ -5668,13 +5728,15 @@
           </a:fontRef>
         </p:style>
         <p:txBody>
-          <a:bodyPr rtlCol="0" anchor="ctr"/>
+          <a:bodyPr lIns="91440" tIns="45720" rIns="91440" bIns="45720" rtlCol="0" anchor="ctr"/>
           <a:lstStyle/>
           <a:p>
             <a:pPr algn="ctr"/>
             <a:r>
-              <a:rPr lang="pt-BR" sz="1600" dirty="0"/>
-              <a:t>USO INDEVIDO</a:t>
+              <a:rPr lang="pt-BR" sz="1200" dirty="0">
+                <a:cs typeface="Calibri"/>
+              </a:rPr>
+              <a:t>ACESSO E ENVIO DE NFORMAÇÕES DE FORMA RÁPIDA</a:t>
             </a:r>
           </a:p>
         </p:txBody>

--- a/Documentação/lean ux.pptx
+++ b/Documentação/lean ux.pptx
@@ -321,7 +321,7 @@
           <a:p>
             <a:fld id="{5AA21F73-6E3A-4254-8F12-7D15026DCAEE}" type="slidenum">
               <a:rPr lang="pt-BR" smtClean="0"/>
-              <a:t>‹#›</a:t>
+              <a:t>‹nº›</a:t>
             </a:fld>
             <a:endParaRPr lang="pt-BR"/>
           </a:p>
@@ -519,7 +519,7 @@
           <a:p>
             <a:fld id="{5AA21F73-6E3A-4254-8F12-7D15026DCAEE}" type="slidenum">
               <a:rPr lang="pt-BR" smtClean="0"/>
-              <a:t>‹#›</a:t>
+              <a:t>‹nº›</a:t>
             </a:fld>
             <a:endParaRPr lang="pt-BR"/>
           </a:p>
@@ -727,7 +727,7 @@
           <a:p>
             <a:fld id="{5AA21F73-6E3A-4254-8F12-7D15026DCAEE}" type="slidenum">
               <a:rPr lang="pt-BR" smtClean="0"/>
-              <a:t>‹#›</a:t>
+              <a:t>‹nº›</a:t>
             </a:fld>
             <a:endParaRPr lang="pt-BR"/>
           </a:p>
@@ -925,7 +925,7 @@
           <a:p>
             <a:fld id="{5AA21F73-6E3A-4254-8F12-7D15026DCAEE}" type="slidenum">
               <a:rPr lang="pt-BR" smtClean="0"/>
-              <a:t>‹#›</a:t>
+              <a:t>‹nº›</a:t>
             </a:fld>
             <a:endParaRPr lang="pt-BR"/>
           </a:p>
@@ -1200,7 +1200,7 @@
           <a:p>
             <a:fld id="{5AA21F73-6E3A-4254-8F12-7D15026DCAEE}" type="slidenum">
               <a:rPr lang="pt-BR" smtClean="0"/>
-              <a:t>‹#›</a:t>
+              <a:t>‹nº›</a:t>
             </a:fld>
             <a:endParaRPr lang="pt-BR"/>
           </a:p>
@@ -1465,7 +1465,7 @@
           <a:p>
             <a:fld id="{5AA21F73-6E3A-4254-8F12-7D15026DCAEE}" type="slidenum">
               <a:rPr lang="pt-BR" smtClean="0"/>
-              <a:t>‹#›</a:t>
+              <a:t>‹nº›</a:t>
             </a:fld>
             <a:endParaRPr lang="pt-BR"/>
           </a:p>
@@ -1877,7 +1877,7 @@
           <a:p>
             <a:fld id="{5AA21F73-6E3A-4254-8F12-7D15026DCAEE}" type="slidenum">
               <a:rPr lang="pt-BR" smtClean="0"/>
-              <a:t>‹#›</a:t>
+              <a:t>‹nº›</a:t>
             </a:fld>
             <a:endParaRPr lang="pt-BR"/>
           </a:p>
@@ -2018,7 +2018,7 @@
           <a:p>
             <a:fld id="{5AA21F73-6E3A-4254-8F12-7D15026DCAEE}" type="slidenum">
               <a:rPr lang="pt-BR" smtClean="0"/>
-              <a:t>‹#›</a:t>
+              <a:t>‹nº›</a:t>
             </a:fld>
             <a:endParaRPr lang="pt-BR"/>
           </a:p>
@@ -2131,7 +2131,7 @@
           <a:p>
             <a:fld id="{5AA21F73-6E3A-4254-8F12-7D15026DCAEE}" type="slidenum">
               <a:rPr lang="pt-BR" smtClean="0"/>
-              <a:t>‹#›</a:t>
+              <a:t>‹nº›</a:t>
             </a:fld>
             <a:endParaRPr lang="pt-BR"/>
           </a:p>
@@ -2442,7 +2442,7 @@
           <a:p>
             <a:fld id="{5AA21F73-6E3A-4254-8F12-7D15026DCAEE}" type="slidenum">
               <a:rPr lang="pt-BR" smtClean="0"/>
-              <a:t>‹#›</a:t>
+              <a:t>‹nº›</a:t>
             </a:fld>
             <a:endParaRPr lang="pt-BR"/>
           </a:p>
@@ -2730,7 +2730,7 @@
           <a:p>
             <a:fld id="{5AA21F73-6E3A-4254-8F12-7D15026DCAEE}" type="slidenum">
               <a:rPr lang="pt-BR" smtClean="0"/>
-              <a:t>‹#›</a:t>
+              <a:t>‹nº›</a:t>
             </a:fld>
             <a:endParaRPr lang="pt-BR"/>
           </a:p>
@@ -3007,7 +3007,7 @@
           <a:p>
             <a:fld id="{5AA21F73-6E3A-4254-8F12-7D15026DCAEE}" type="slidenum">
               <a:rPr lang="pt-BR" smtClean="0"/>
-              <a:t>‹#›</a:t>
+              <a:t>‹nº›</a:t>
             </a:fld>
             <a:endParaRPr lang="pt-BR"/>
           </a:p>
@@ -5736,7 +5736,7 @@
               <a:rPr lang="pt-BR" sz="1200" dirty="0">
                 <a:cs typeface="Calibri"/>
               </a:rPr>
-              <a:t>ACESSO E ENVIO DE NFORMAÇÕES DE FORMA RÁPIDA</a:t>
+              <a:t>ACESSO E ENVIO DE INFORMAÇÕES DE FORMA RÁPIDA</a:t>
             </a:r>
           </a:p>
         </p:txBody>
